--- a/02-Programming Fundamentals.pptx
+++ b/02-Programming Fundamentals.pptx
@@ -1,6 +1,6 @@
 
 <file path=ppt/presentation.xml><?xml version="1.0" encoding="utf-8"?>
-<p:presentation xmlns:a="http://schemas.openxmlformats.org/drawingml/2006/main" xmlns:r="http://schemas.openxmlformats.org/officeDocument/2006/relationships" xmlns:p="http://schemas.openxmlformats.org/presentationml/2006/main" saveSubsetFonts="1" autoCompressPictures="0">
+<p:presentation xmlns:a="http://schemas.openxmlformats.org/drawingml/2006/main" xmlns:r="http://schemas.openxmlformats.org/officeDocument/2006/relationships" xmlns:p="http://schemas.openxmlformats.org/presentationml/2006/main" firstSlideNum="34" saveSubsetFonts="1" autoCompressPictures="0">
   <p:sldMasterIdLst>
     <p:sldMasterId id="2147483648" r:id="rId1"/>
   </p:sldMasterIdLst>
@@ -209,7 +209,7 @@
           <a:p>
             <a:fld id="{EE63C020-A11B-B048-B030-25C43ED4E8CE}" type="datetimeFigureOut">
               <a:rPr lang="en-US" smtClean="0"/>
-              <a:t>11/2/19</a:t>
+              <a:t>11/23/19</a:t>
             </a:fld>
             <a:endParaRPr lang="en-US"/>
           </a:p>
@@ -603,9 +603,9 @@
           <a:bodyPr/>
           <a:lstStyle/>
           <a:p>
-            <a:fld id="{D154277B-EAAD-F24B-9A75-1BBD5B59844E}" type="datetimeFigureOut">
+            <a:fld id="{30B55E3E-97BD-9445-8D37-D123BD3530E7}" type="datetime1">
               <a:rPr lang="en-US" smtClean="0"/>
-              <a:t>11/2/19</a:t>
+              <a:t>11/23/19</a:t>
             </a:fld>
             <a:endParaRPr lang="en-US"/>
           </a:p>
@@ -771,9 +771,9 @@
           <a:bodyPr/>
           <a:lstStyle/>
           <a:p>
-            <a:fld id="{D154277B-EAAD-F24B-9A75-1BBD5B59844E}" type="datetimeFigureOut">
+            <a:fld id="{CCCA6746-773B-6540-8213-F8F110135FC0}" type="datetime1">
               <a:rPr lang="en-US" smtClean="0"/>
-              <a:t>11/2/19</a:t>
+              <a:t>11/23/19</a:t>
             </a:fld>
             <a:endParaRPr lang="en-US"/>
           </a:p>
@@ -949,9 +949,9 @@
           <a:bodyPr/>
           <a:lstStyle/>
           <a:p>
-            <a:fld id="{D154277B-EAAD-F24B-9A75-1BBD5B59844E}" type="datetimeFigureOut">
+            <a:fld id="{D3808D14-35F2-D14A-9564-15D242E0674F}" type="datetime1">
               <a:rPr lang="en-US" smtClean="0"/>
-              <a:t>11/2/19</a:t>
+              <a:t>11/23/19</a:t>
             </a:fld>
             <a:endParaRPr lang="en-US"/>
           </a:p>
@@ -1117,9 +1117,9 @@
           <a:bodyPr/>
           <a:lstStyle/>
           <a:p>
-            <a:fld id="{D154277B-EAAD-F24B-9A75-1BBD5B59844E}" type="datetimeFigureOut">
+            <a:fld id="{1C58F1B6-0DB7-F641-BFC2-12D099B9EA01}" type="datetime1">
               <a:rPr lang="en-US" smtClean="0"/>
-              <a:t>11/2/19</a:t>
+              <a:t>11/23/19</a:t>
             </a:fld>
             <a:endParaRPr lang="en-US"/>
           </a:p>
@@ -1362,9 +1362,9 @@
           <a:bodyPr/>
           <a:lstStyle/>
           <a:p>
-            <a:fld id="{D154277B-EAAD-F24B-9A75-1BBD5B59844E}" type="datetimeFigureOut">
+            <a:fld id="{3DA59980-1B73-C342-BB84-CC369FB04861}" type="datetime1">
               <a:rPr lang="en-US" smtClean="0"/>
-              <a:t>11/2/19</a:t>
+              <a:t>11/23/19</a:t>
             </a:fld>
             <a:endParaRPr lang="en-US"/>
           </a:p>
@@ -1591,9 +1591,9 @@
           <a:bodyPr/>
           <a:lstStyle/>
           <a:p>
-            <a:fld id="{D154277B-EAAD-F24B-9A75-1BBD5B59844E}" type="datetimeFigureOut">
+            <a:fld id="{803E5E15-217D-AE49-8BF0-A0358FC1E94E}" type="datetime1">
               <a:rPr lang="en-US" smtClean="0"/>
-              <a:t>11/2/19</a:t>
+              <a:t>11/23/19</a:t>
             </a:fld>
             <a:endParaRPr lang="en-US"/>
           </a:p>
@@ -1955,9 +1955,9 @@
           <a:bodyPr/>
           <a:lstStyle/>
           <a:p>
-            <a:fld id="{D154277B-EAAD-F24B-9A75-1BBD5B59844E}" type="datetimeFigureOut">
+            <a:fld id="{847820B0-962A-1A43-AC22-4AB9A54F2E66}" type="datetime1">
               <a:rPr lang="en-US" smtClean="0"/>
-              <a:t>11/2/19</a:t>
+              <a:t>11/23/19</a:t>
             </a:fld>
             <a:endParaRPr lang="en-US"/>
           </a:p>
@@ -2072,9 +2072,9 @@
           <a:bodyPr/>
           <a:lstStyle/>
           <a:p>
-            <a:fld id="{D154277B-EAAD-F24B-9A75-1BBD5B59844E}" type="datetimeFigureOut">
+            <a:fld id="{2A35ED70-98E9-1445-936A-3A4BEFD7D192}" type="datetime1">
               <a:rPr lang="en-US" smtClean="0"/>
-              <a:t>11/2/19</a:t>
+              <a:t>11/23/19</a:t>
             </a:fld>
             <a:endParaRPr lang="en-US"/>
           </a:p>
@@ -2167,9 +2167,9 @@
           <a:bodyPr/>
           <a:lstStyle/>
           <a:p>
-            <a:fld id="{D154277B-EAAD-F24B-9A75-1BBD5B59844E}" type="datetimeFigureOut">
+            <a:fld id="{47407590-CABA-CC44-A68C-5F27623080AE}" type="datetime1">
               <a:rPr lang="en-US" smtClean="0"/>
-              <a:t>11/2/19</a:t>
+              <a:t>11/23/19</a:t>
             </a:fld>
             <a:endParaRPr lang="en-US"/>
           </a:p>
@@ -2442,9 +2442,9 @@
           <a:bodyPr/>
           <a:lstStyle/>
           <a:p>
-            <a:fld id="{D154277B-EAAD-F24B-9A75-1BBD5B59844E}" type="datetimeFigureOut">
+            <a:fld id="{DF721FFD-E066-F348-BDD2-85767019EB2F}" type="datetime1">
               <a:rPr lang="en-US" smtClean="0"/>
-              <a:t>11/2/19</a:t>
+              <a:t>11/23/19</a:t>
             </a:fld>
             <a:endParaRPr lang="en-US"/>
           </a:p>
@@ -2694,9 +2694,9 @@
           <a:bodyPr/>
           <a:lstStyle/>
           <a:p>
-            <a:fld id="{D154277B-EAAD-F24B-9A75-1BBD5B59844E}" type="datetimeFigureOut">
+            <a:fld id="{FEC2A375-A3C6-AC42-BCFF-3D79EBBB5659}" type="datetime1">
               <a:rPr lang="en-US" smtClean="0"/>
-              <a:t>11/2/19</a:t>
+              <a:t>11/23/19</a:t>
             </a:fld>
             <a:endParaRPr lang="en-US"/>
           </a:p>
@@ -2905,9 +2905,9 @@
             </a:lvl1pPr>
           </a:lstStyle>
           <a:p>
-            <a:fld id="{D154277B-EAAD-F24B-9A75-1BBD5B59844E}" type="datetimeFigureOut">
+            <a:fld id="{AEE40540-C97C-EE46-8E6E-7F0E47D5E4B6}" type="datetime1">
               <a:rPr lang="en-US" smtClean="0"/>
-              <a:t>11/2/19</a:t>
+              <a:t>11/23/19</a:t>
             </a:fld>
             <a:endParaRPr lang="en-US"/>
           </a:p>
@@ -3012,6 +3012,7 @@
     <p:sldLayoutId id="2147483658" r:id="rId10"/>
     <p:sldLayoutId id="2147483659" r:id="rId11"/>
   </p:sldLayoutIdLst>
+  <p:hf hdr="0" ftr="0" dt="0"/>
   <p:txStyles>
     <p:titleStyle>
       <a:lvl1pPr algn="l" defTabSz="914400" rtl="0" eaLnBrk="1" latinLnBrk="0" hangingPunct="1">
@@ -3360,10 +3361,45 @@
             </a:r>
           </a:p>
           <a:p>
+            <a:r>
+              <a:rPr lang="en-US" i="1" dirty="0"/>
+              <a:t>Chapter 2</a:t>
+            </a:r>
+          </a:p>
+          <a:p>
             <a:endParaRPr lang="en-US" dirty="0"/>
           </a:p>
           <a:p>
             <a:endParaRPr lang="en-US" dirty="0"/>
+          </a:p>
+        </p:txBody>
+      </p:sp>
+      <p:sp>
+        <p:nvSpPr>
+          <p:cNvPr id="4" name="Slide Number Placeholder 3">
+            <a:extLst>
+              <a:ext uri="{FF2B5EF4-FFF2-40B4-BE49-F238E27FC236}">
+                <a16:creationId xmlns:a16="http://schemas.microsoft.com/office/drawing/2014/main" id="{60B95542-BEDE-EA42-A647-8E0F3A1A6510}"/>
+              </a:ext>
+            </a:extLst>
+          </p:cNvPr>
+          <p:cNvSpPr>
+            <a:spLocks noGrp="1"/>
+          </p:cNvSpPr>
+          <p:nvPr>
+            <p:ph type="sldNum" sz="quarter" idx="12"/>
+          </p:nvPr>
+        </p:nvSpPr>
+        <p:spPr/>
+        <p:txBody>
+          <a:bodyPr/>
+          <a:lstStyle/>
+          <a:p>
+            <a:fld id="{2352C00A-4D4A-1B4A-BF5A-FD34A7F77AA7}" type="slidenum">
+              <a:rPr lang="en-US" smtClean="0"/>
+              <a:t>34</a:t>
+            </a:fld>
+            <a:endParaRPr lang="en-US"/>
           </a:p>
         </p:txBody>
       </p:sp>
@@ -3470,7 +3506,15 @@
             </a:r>
             <a:r>
               <a:rPr lang="en-US" dirty="0"/>
-              <a:t>. This operator consists of three operands and is used to evaluate Boolean expressions. The goal of the operator is to decide, which value should be assigned to the variable. The operator is written as −</a:t>
+              <a:t>. This operator consists of three operands and is used to evaluate Boolean expressions. </a:t>
+            </a:r>
+            <a:r>
+              <a:rPr lang="en-US" dirty="0">
+                <a:solidFill>
+                  <a:srgbClr val="FF0000"/>
+                </a:solidFill>
+              </a:rPr>
+              <a:t>The goal of the operator is to decide, which value should be assigned to the variable. The operator is written as −</a:t>
             </a:r>
           </a:p>
           <a:p>
@@ -3511,6 +3555,35 @@
           </a:prstGeom>
         </p:spPr>
       </p:pic>
+      <p:sp>
+        <p:nvSpPr>
+          <p:cNvPr id="4" name="Slide Number Placeholder 3">
+            <a:extLst>
+              <a:ext uri="{FF2B5EF4-FFF2-40B4-BE49-F238E27FC236}">
+                <a16:creationId xmlns:a16="http://schemas.microsoft.com/office/drawing/2014/main" id="{F7B1810C-4C1D-DA49-849E-5643D9B320BE}"/>
+              </a:ext>
+            </a:extLst>
+          </p:cNvPr>
+          <p:cNvSpPr>
+            <a:spLocks noGrp="1"/>
+          </p:cNvSpPr>
+          <p:nvPr>
+            <p:ph type="sldNum" sz="quarter" idx="12"/>
+          </p:nvPr>
+        </p:nvSpPr>
+        <p:spPr/>
+        <p:txBody>
+          <a:bodyPr/>
+          <a:lstStyle/>
+          <a:p>
+            <a:fld id="{2352C00A-4D4A-1B4A-BF5A-FD34A7F77AA7}" type="slidenum">
+              <a:rPr lang="en-US" smtClean="0"/>
+              <a:t>43</a:t>
+            </a:fld>
+            <a:endParaRPr lang="en-US"/>
+          </a:p>
+        </p:txBody>
+      </p:sp>
     </p:spTree>
     <p:extLst>
       <p:ext uri="{BB962C8B-B14F-4D97-AF65-F5344CB8AC3E}">
@@ -3635,6 +3708,35 @@
           </a:ln>
         </p:spPr>
       </p:pic>
+      <p:sp>
+        <p:nvSpPr>
+          <p:cNvPr id="3" name="Slide Number Placeholder 2">
+            <a:extLst>
+              <a:ext uri="{FF2B5EF4-FFF2-40B4-BE49-F238E27FC236}">
+                <a16:creationId xmlns:a16="http://schemas.microsoft.com/office/drawing/2014/main" id="{23647280-4142-5546-A6F6-FF171D4B3A86}"/>
+              </a:ext>
+            </a:extLst>
+          </p:cNvPr>
+          <p:cNvSpPr>
+            <a:spLocks noGrp="1"/>
+          </p:cNvSpPr>
+          <p:nvPr>
+            <p:ph type="sldNum" sz="quarter" idx="12"/>
+          </p:nvPr>
+        </p:nvSpPr>
+        <p:spPr/>
+        <p:txBody>
+          <a:bodyPr/>
+          <a:lstStyle/>
+          <a:p>
+            <a:fld id="{2352C00A-4D4A-1B4A-BF5A-FD34A7F77AA7}" type="slidenum">
+              <a:rPr lang="en-US" smtClean="0"/>
+              <a:t>44</a:t>
+            </a:fld>
+            <a:endParaRPr lang="en-US"/>
+          </a:p>
+        </p:txBody>
+      </p:sp>
     </p:spTree>
     <p:extLst>
       <p:ext uri="{BB962C8B-B14F-4D97-AF65-F5344CB8AC3E}">
@@ -4804,6 +4906,35 @@
           </a:graphicData>
         </a:graphic>
       </p:graphicFrame>
+      <p:sp>
+        <p:nvSpPr>
+          <p:cNvPr id="5" name="Slide Number Placeholder 4">
+            <a:extLst>
+              <a:ext uri="{FF2B5EF4-FFF2-40B4-BE49-F238E27FC236}">
+                <a16:creationId xmlns:a16="http://schemas.microsoft.com/office/drawing/2014/main" id="{BAF1641C-38E7-C54A-BAA4-6DE12F2DFFB3}"/>
+              </a:ext>
+            </a:extLst>
+          </p:cNvPr>
+          <p:cNvSpPr>
+            <a:spLocks noGrp="1"/>
+          </p:cNvSpPr>
+          <p:nvPr>
+            <p:ph type="sldNum" sz="quarter" idx="12"/>
+          </p:nvPr>
+        </p:nvSpPr>
+        <p:spPr/>
+        <p:txBody>
+          <a:bodyPr/>
+          <a:lstStyle/>
+          <a:p>
+            <a:fld id="{2352C00A-4D4A-1B4A-BF5A-FD34A7F77AA7}" type="slidenum">
+              <a:rPr lang="en-US" smtClean="0"/>
+              <a:t>45</a:t>
+            </a:fld>
+            <a:endParaRPr lang="en-US"/>
+          </a:p>
+        </p:txBody>
+      </p:sp>
     </p:spTree>
     <p:extLst>
       <p:ext uri="{BB962C8B-B14F-4D97-AF65-F5344CB8AC3E}">
@@ -5988,6 +6119,35 @@
           </a:graphicData>
         </a:graphic>
       </p:graphicFrame>
+      <p:sp>
+        <p:nvSpPr>
+          <p:cNvPr id="5" name="Slide Number Placeholder 4">
+            <a:extLst>
+              <a:ext uri="{FF2B5EF4-FFF2-40B4-BE49-F238E27FC236}">
+                <a16:creationId xmlns:a16="http://schemas.microsoft.com/office/drawing/2014/main" id="{3DB821A6-A358-F64C-AAF7-02EB661AA341}"/>
+              </a:ext>
+            </a:extLst>
+          </p:cNvPr>
+          <p:cNvSpPr>
+            <a:spLocks noGrp="1"/>
+          </p:cNvSpPr>
+          <p:nvPr>
+            <p:ph type="sldNum" sz="quarter" idx="12"/>
+          </p:nvPr>
+        </p:nvSpPr>
+        <p:spPr/>
+        <p:txBody>
+          <a:bodyPr/>
+          <a:lstStyle/>
+          <a:p>
+            <a:fld id="{2352C00A-4D4A-1B4A-BF5A-FD34A7F77AA7}" type="slidenum">
+              <a:rPr lang="en-US" smtClean="0"/>
+              <a:t>46</a:t>
+            </a:fld>
+            <a:endParaRPr lang="en-US"/>
+          </a:p>
+        </p:txBody>
+      </p:sp>
     </p:spTree>
     <p:extLst>
       <p:ext uri="{BB962C8B-B14F-4D97-AF65-F5344CB8AC3E}">
@@ -6156,6 +6316,35 @@
               <a:buNone/>
             </a:pPr>
             <a:endParaRPr lang="en-US" dirty="0"/>
+          </a:p>
+        </p:txBody>
+      </p:sp>
+      <p:sp>
+        <p:nvSpPr>
+          <p:cNvPr id="4" name="Slide Number Placeholder 3">
+            <a:extLst>
+              <a:ext uri="{FF2B5EF4-FFF2-40B4-BE49-F238E27FC236}">
+                <a16:creationId xmlns:a16="http://schemas.microsoft.com/office/drawing/2014/main" id="{B5E466FD-B6EA-8541-A942-1F742CFC33B5}"/>
+              </a:ext>
+            </a:extLst>
+          </p:cNvPr>
+          <p:cNvSpPr>
+            <a:spLocks noGrp="1"/>
+          </p:cNvSpPr>
+          <p:nvPr>
+            <p:ph type="sldNum" sz="quarter" idx="12"/>
+          </p:nvPr>
+        </p:nvSpPr>
+        <p:spPr/>
+        <p:txBody>
+          <a:bodyPr/>
+          <a:lstStyle/>
+          <a:p>
+            <a:fld id="{2352C00A-4D4A-1B4A-BF5A-FD34A7F77AA7}" type="slidenum">
+              <a:rPr lang="en-US" smtClean="0"/>
+              <a:t>35</a:t>
+            </a:fld>
+            <a:endParaRPr lang="en-US"/>
           </a:p>
         </p:txBody>
       </p:sp>
@@ -6253,7 +6442,11 @@
               <a:buNone/>
             </a:pPr>
             <a:r>
-              <a:rPr lang="en-US" dirty="0"/>
+              <a:rPr lang="en-US" dirty="0">
+                <a:solidFill>
+                  <a:srgbClr val="FF0000"/>
+                </a:solidFill>
+              </a:rPr>
               <a:t>Assume integer variable A holds 10 and variable B holds 20, then −</a:t>
             </a:r>
           </a:p>
@@ -6280,7 +6473,7 @@
           <p:nvPr>
             <p:extLst>
               <p:ext uri="{D42A27DB-BD31-4B8C-83A1-F6EECF244321}">
-                <p14:modId xmlns:p14="http://schemas.microsoft.com/office/powerpoint/2010/main" val="4021562449"/>
+                <p14:modId xmlns:p14="http://schemas.microsoft.com/office/powerpoint/2010/main" val="855550196"/>
               </p:ext>
             </p:extLst>
           </p:nvPr>
@@ -6552,7 +6745,7 @@
                     <a:p>
                       <a:pPr fontAlgn="t"/>
                       <a:r>
-                        <a:rPr lang="en-US">
+                        <a:rPr lang="en-US" dirty="0">
                           <a:effectLst/>
                         </a:rPr>
                         <a:t>Adds values on either side of the operator.</a:t>
@@ -6605,7 +6798,7 @@
                     <a:p>
                       <a:pPr algn="ctr" fontAlgn="ctr"/>
                       <a:r>
-                        <a:rPr lang="en-US">
+                        <a:rPr lang="en-US" dirty="0">
                           <a:effectLst/>
                         </a:rPr>
                         <a:t>A + B will give 30</a:t>
@@ -6718,7 +6911,7 @@
                     <a:p>
                       <a:pPr fontAlgn="t"/>
                       <a:r>
-                        <a:rPr lang="en-US">
+                        <a:rPr lang="en-US" dirty="0">
                           <a:effectLst/>
                         </a:rPr>
                         <a:t>Subtracts right-hand operand from left-hand operand.</a:t>
@@ -6771,7 +6964,7 @@
                     <a:p>
                       <a:pPr algn="ctr" fontAlgn="ctr"/>
                       <a:r>
-                        <a:rPr lang="en-US">
+                        <a:rPr lang="en-US" dirty="0">
                           <a:effectLst/>
                         </a:rPr>
                         <a:t>A - B will give -10</a:t>
@@ -6884,7 +7077,7 @@
                     <a:p>
                       <a:pPr fontAlgn="t"/>
                       <a:r>
-                        <a:rPr lang="en-US">
+                        <a:rPr lang="en-US" dirty="0">
                           <a:effectLst/>
                         </a:rPr>
                         <a:t>Multiplies values on either side of the operator.</a:t>
@@ -6993,6 +7186,35 @@
           </a:graphicData>
         </a:graphic>
       </p:graphicFrame>
+      <p:sp>
+        <p:nvSpPr>
+          <p:cNvPr id="4" name="Slide Number Placeholder 3">
+            <a:extLst>
+              <a:ext uri="{FF2B5EF4-FFF2-40B4-BE49-F238E27FC236}">
+                <a16:creationId xmlns:a16="http://schemas.microsoft.com/office/drawing/2014/main" id="{30DBF049-FD2F-794F-80BB-7C751D903FD7}"/>
+              </a:ext>
+            </a:extLst>
+          </p:cNvPr>
+          <p:cNvSpPr>
+            <a:spLocks noGrp="1"/>
+          </p:cNvSpPr>
+          <p:nvPr>
+            <p:ph type="sldNum" sz="quarter" idx="12"/>
+          </p:nvPr>
+        </p:nvSpPr>
+        <p:spPr/>
+        <p:txBody>
+          <a:bodyPr/>
+          <a:lstStyle/>
+          <a:p>
+            <a:fld id="{2352C00A-4D4A-1B4A-BF5A-FD34A7F77AA7}" type="slidenum">
+              <a:rPr lang="en-US" smtClean="0"/>
+              <a:t>36</a:t>
+            </a:fld>
+            <a:endParaRPr lang="en-US"/>
+          </a:p>
+        </p:txBody>
+      </p:sp>
     </p:spTree>
     <p:extLst>
       <p:ext uri="{BB962C8B-B14F-4D97-AF65-F5344CB8AC3E}">
@@ -7067,7 +7289,7 @@
             <p:ph idx="1"/>
             <p:extLst>
               <p:ext uri="{D42A27DB-BD31-4B8C-83A1-F6EECF244321}">
-                <p14:modId xmlns:p14="http://schemas.microsoft.com/office/powerpoint/2010/main" val="2340451182"/>
+                <p14:modId xmlns:p14="http://schemas.microsoft.com/office/powerpoint/2010/main" val="4094829354"/>
               </p:ext>
             </p:extLst>
           </p:nvPr>
@@ -7339,7 +7561,7 @@
                     <a:p>
                       <a:pPr fontAlgn="t"/>
                       <a:r>
-                        <a:rPr lang="en-US" sz="1800">
+                        <a:rPr lang="en-US" sz="1800" dirty="0">
                           <a:effectLst/>
                         </a:rPr>
                         <a:t>Divides left-hand operand by right-hand operand.</a:t>
@@ -7671,7 +7893,7 @@
                     <a:p>
                       <a:pPr fontAlgn="t"/>
                       <a:r>
-                        <a:rPr lang="en-US" sz="1800">
+                        <a:rPr lang="en-US" sz="1800" dirty="0">
                           <a:effectLst/>
                         </a:rPr>
                         <a:t>Increases the value of operand by 1.</a:t>
@@ -7946,6 +8168,35 @@
           </a:graphicData>
         </a:graphic>
       </p:graphicFrame>
+      <p:sp>
+        <p:nvSpPr>
+          <p:cNvPr id="3" name="Slide Number Placeholder 2">
+            <a:extLst>
+              <a:ext uri="{FF2B5EF4-FFF2-40B4-BE49-F238E27FC236}">
+                <a16:creationId xmlns:a16="http://schemas.microsoft.com/office/drawing/2014/main" id="{C00C0ABA-892C-444F-8F6A-2159DD542064}"/>
+              </a:ext>
+            </a:extLst>
+          </p:cNvPr>
+          <p:cNvSpPr>
+            <a:spLocks noGrp="1"/>
+          </p:cNvSpPr>
+          <p:nvPr>
+            <p:ph type="sldNum" sz="quarter" idx="12"/>
+          </p:nvPr>
+        </p:nvSpPr>
+        <p:spPr/>
+        <p:txBody>
+          <a:bodyPr/>
+          <a:lstStyle/>
+          <a:p>
+            <a:fld id="{2352C00A-4D4A-1B4A-BF5A-FD34A7F77AA7}" type="slidenum">
+              <a:rPr lang="en-US" smtClean="0"/>
+              <a:t>37</a:t>
+            </a:fld>
+            <a:endParaRPr lang="en-US"/>
+          </a:p>
+        </p:txBody>
+      </p:sp>
     </p:spTree>
     <p:extLst>
       <p:ext uri="{BB962C8B-B14F-4D97-AF65-F5344CB8AC3E}">
@@ -8383,7 +8634,7 @@
                     <a:p>
                       <a:pPr algn="ctr" fontAlgn="ctr"/>
                       <a:r>
-                        <a:rPr lang="en-US" sz="1800">
+                        <a:rPr lang="en-US" sz="1800" dirty="0">
                           <a:effectLst/>
                         </a:rPr>
                         <a:t>(A == B) is not true.</a:t>
@@ -8549,7 +8800,7 @@
                     <a:p>
                       <a:pPr algn="ctr" fontAlgn="ctr"/>
                       <a:r>
-                        <a:rPr lang="en-US" sz="1800">
+                        <a:rPr lang="en-US" sz="1800" dirty="0">
                           <a:effectLst/>
                         </a:rPr>
                         <a:t>(A != B) is true.</a:t>
@@ -8771,6 +9022,35 @@
           </a:graphicData>
         </a:graphic>
       </p:graphicFrame>
+      <p:sp>
+        <p:nvSpPr>
+          <p:cNvPr id="5" name="Slide Number Placeholder 4">
+            <a:extLst>
+              <a:ext uri="{FF2B5EF4-FFF2-40B4-BE49-F238E27FC236}">
+                <a16:creationId xmlns:a16="http://schemas.microsoft.com/office/drawing/2014/main" id="{BBAE0E37-EACD-ED42-8395-A5C78A1927ED}"/>
+              </a:ext>
+            </a:extLst>
+          </p:cNvPr>
+          <p:cNvSpPr>
+            <a:spLocks noGrp="1"/>
+          </p:cNvSpPr>
+          <p:nvPr>
+            <p:ph type="sldNum" sz="quarter" idx="12"/>
+          </p:nvPr>
+        </p:nvSpPr>
+        <p:spPr/>
+        <p:txBody>
+          <a:bodyPr/>
+          <a:lstStyle/>
+          <a:p>
+            <a:fld id="{2352C00A-4D4A-1B4A-BF5A-FD34A7F77AA7}" type="slidenum">
+              <a:rPr lang="en-US" smtClean="0"/>
+              <a:t>38</a:t>
+            </a:fld>
+            <a:endParaRPr lang="en-US"/>
+          </a:p>
+        </p:txBody>
+      </p:sp>
     </p:spTree>
     <p:extLst>
       <p:ext uri="{BB962C8B-B14F-4D97-AF65-F5344CB8AC3E}">
@@ -9560,6 +9840,35 @@
           </a:graphicData>
         </a:graphic>
       </p:graphicFrame>
+      <p:sp>
+        <p:nvSpPr>
+          <p:cNvPr id="3" name="Slide Number Placeholder 2">
+            <a:extLst>
+              <a:ext uri="{FF2B5EF4-FFF2-40B4-BE49-F238E27FC236}">
+                <a16:creationId xmlns:a16="http://schemas.microsoft.com/office/drawing/2014/main" id="{9343F09E-92AE-8345-9445-43A43C62EBC0}"/>
+              </a:ext>
+            </a:extLst>
+          </p:cNvPr>
+          <p:cNvSpPr>
+            <a:spLocks noGrp="1"/>
+          </p:cNvSpPr>
+          <p:nvPr>
+            <p:ph type="sldNum" sz="quarter" idx="12"/>
+          </p:nvPr>
+        </p:nvSpPr>
+        <p:spPr/>
+        <p:txBody>
+          <a:bodyPr/>
+          <a:lstStyle/>
+          <a:p>
+            <a:fld id="{2352C00A-4D4A-1B4A-BF5A-FD34A7F77AA7}" type="slidenum">
+              <a:rPr lang="en-US" smtClean="0"/>
+              <a:t>39</a:t>
+            </a:fld>
+            <a:endParaRPr lang="en-US"/>
+          </a:p>
+        </p:txBody>
+      </p:sp>
     </p:spTree>
     <p:extLst>
       <p:ext uri="{BB962C8B-B14F-4D97-AF65-F5344CB8AC3E}">
@@ -10379,6 +10688,35 @@
           </a:graphicData>
         </a:graphic>
       </p:graphicFrame>
+      <p:sp>
+        <p:nvSpPr>
+          <p:cNvPr id="5" name="Slide Number Placeholder 4">
+            <a:extLst>
+              <a:ext uri="{FF2B5EF4-FFF2-40B4-BE49-F238E27FC236}">
+                <a16:creationId xmlns:a16="http://schemas.microsoft.com/office/drawing/2014/main" id="{B10C44D5-02B4-3C49-ABEB-3DA7457C1E9D}"/>
+              </a:ext>
+            </a:extLst>
+          </p:cNvPr>
+          <p:cNvSpPr>
+            <a:spLocks noGrp="1"/>
+          </p:cNvSpPr>
+          <p:nvPr>
+            <p:ph type="sldNum" sz="quarter" idx="12"/>
+          </p:nvPr>
+        </p:nvSpPr>
+        <p:spPr/>
+        <p:txBody>
+          <a:bodyPr/>
+          <a:lstStyle/>
+          <a:p>
+            <a:fld id="{2352C00A-4D4A-1B4A-BF5A-FD34A7F77AA7}" type="slidenum">
+              <a:rPr lang="en-US" smtClean="0"/>
+              <a:t>40</a:t>
+            </a:fld>
+            <a:endParaRPr lang="en-US"/>
+          </a:p>
+        </p:txBody>
+      </p:sp>
     </p:spTree>
     <p:extLst>
       <p:ext uri="{BB962C8B-B14F-4D97-AF65-F5344CB8AC3E}">
@@ -10491,7 +10829,7 @@
           <p:nvPr>
             <p:extLst>
               <p:ext uri="{D42A27DB-BD31-4B8C-83A1-F6EECF244321}">
-                <p14:modId xmlns:p14="http://schemas.microsoft.com/office/powerpoint/2010/main" val="1417248788"/>
+                <p14:modId xmlns:p14="http://schemas.microsoft.com/office/powerpoint/2010/main" val="1936261569"/>
               </p:ext>
             </p:extLst>
           </p:nvPr>
@@ -10763,7 +11101,10 @@
                     <a:p>
                       <a:pPr fontAlgn="t"/>
                       <a:r>
-                        <a:rPr lang="en-US" sz="1800">
+                        <a:rPr lang="en-US" sz="1800" dirty="0">
+                          <a:solidFill>
+                            <a:srgbClr val="FF0000"/>
+                          </a:solidFill>
                           <a:effectLst/>
                         </a:rPr>
                         <a:t>Simple assignment operator. Assigns values from right side operands to left side operand.</a:t>
@@ -10817,6 +11158,9 @@
                       <a:pPr algn="ctr" fontAlgn="ctr"/>
                       <a:r>
                         <a:rPr lang="en-US" sz="1800">
+                          <a:solidFill>
+                            <a:srgbClr val="FF0000"/>
+                          </a:solidFill>
                           <a:effectLst/>
                         </a:rPr>
                         <a:t>C = A + B will assign value of A + B into C</a:t>
@@ -10930,6 +11274,9 @@
                       <a:pPr fontAlgn="t"/>
                       <a:r>
                         <a:rPr lang="en-US" sz="1800" dirty="0">
+                          <a:solidFill>
+                            <a:srgbClr val="FF0000"/>
+                          </a:solidFill>
                           <a:effectLst/>
                         </a:rPr>
                         <a:t>Add AND assignment operator. It adds right operand to the left operand and assign the result to left operand.</a:t>
@@ -10983,6 +11330,9 @@
                       <a:pPr algn="ctr" fontAlgn="ctr"/>
                       <a:r>
                         <a:rPr lang="en-US" sz="1800">
+                          <a:solidFill>
+                            <a:srgbClr val="FF0000"/>
+                          </a:solidFill>
                           <a:effectLst/>
                         </a:rPr>
                         <a:t>C += A is equivalent to C = C + A</a:t>
@@ -11095,7 +11445,10 @@
                     <a:p>
                       <a:pPr fontAlgn="t"/>
                       <a:r>
-                        <a:rPr lang="en-US" sz="1800">
+                        <a:rPr lang="en-US" sz="1800" dirty="0">
+                          <a:solidFill>
+                            <a:srgbClr val="FF0000"/>
+                          </a:solidFill>
                           <a:effectLst/>
                         </a:rPr>
                         <a:t>Subtract AND assignment operator. It subtracts right operand from the left operand and assign the result to left operand.</a:t>
@@ -11149,6 +11502,9 @@
                       <a:pPr algn="ctr" fontAlgn="ctr"/>
                       <a:r>
                         <a:rPr lang="en-US" sz="1800" dirty="0">
+                          <a:solidFill>
+                            <a:srgbClr val="FF0000"/>
+                          </a:solidFill>
                           <a:effectLst/>
                         </a:rPr>
                         <a:t>C -= A is equivalent to C = C – A</a:t>
@@ -11204,6 +11560,35 @@
           </a:graphicData>
         </a:graphic>
       </p:graphicFrame>
+      <p:sp>
+        <p:nvSpPr>
+          <p:cNvPr id="5" name="Slide Number Placeholder 4">
+            <a:extLst>
+              <a:ext uri="{FF2B5EF4-FFF2-40B4-BE49-F238E27FC236}">
+                <a16:creationId xmlns:a16="http://schemas.microsoft.com/office/drawing/2014/main" id="{E22AF0B2-51CF-D744-B193-259078B219B0}"/>
+              </a:ext>
+            </a:extLst>
+          </p:cNvPr>
+          <p:cNvSpPr>
+            <a:spLocks noGrp="1"/>
+          </p:cNvSpPr>
+          <p:nvPr>
+            <p:ph type="sldNum" sz="quarter" idx="12"/>
+          </p:nvPr>
+        </p:nvSpPr>
+        <p:spPr/>
+        <p:txBody>
+          <a:bodyPr/>
+          <a:lstStyle/>
+          <a:p>
+            <a:fld id="{2352C00A-4D4A-1B4A-BF5A-FD34A7F77AA7}" type="slidenum">
+              <a:rPr lang="en-US" smtClean="0"/>
+              <a:t>41</a:t>
+            </a:fld>
+            <a:endParaRPr lang="en-US"/>
+          </a:p>
+        </p:txBody>
+      </p:sp>
     </p:spTree>
     <p:extLst>
       <p:ext uri="{BB962C8B-B14F-4D97-AF65-F5344CB8AC3E}">
@@ -11280,7 +11665,7 @@
             <p:ph idx="1"/>
             <p:extLst>
               <p:ext uri="{D42A27DB-BD31-4B8C-83A1-F6EECF244321}">
-                <p14:modId xmlns:p14="http://schemas.microsoft.com/office/powerpoint/2010/main" val="2023557353"/>
+                <p14:modId xmlns:p14="http://schemas.microsoft.com/office/powerpoint/2010/main" val="2919277723"/>
               </p:ext>
             </p:extLst>
           </p:nvPr>
@@ -11552,7 +11937,10 @@
                     <a:p>
                       <a:pPr fontAlgn="t"/>
                       <a:r>
-                        <a:rPr lang="en-US" sz="1800">
+                        <a:rPr lang="en-US" sz="1800" dirty="0">
+                          <a:solidFill>
+                            <a:srgbClr val="FF0000"/>
+                          </a:solidFill>
                           <a:effectLst/>
                         </a:rPr>
                         <a:t>Multiply AND assignment operator. It multiplies right operand with the left operand and assign the result to left operand.</a:t>
@@ -11606,6 +11994,9 @@
                       <a:pPr algn="ctr" fontAlgn="ctr"/>
                       <a:r>
                         <a:rPr lang="en-US" sz="1800" dirty="0">
+                          <a:solidFill>
+                            <a:srgbClr val="FF0000"/>
+                          </a:solidFill>
                           <a:effectLst/>
                         </a:rPr>
                         <a:t>C *= A is equivalent to C = C * A</a:t>
@@ -11719,6 +12110,9 @@
                       <a:pPr fontAlgn="t"/>
                       <a:r>
                         <a:rPr lang="en-US" sz="1800" dirty="0">
+                          <a:solidFill>
+                            <a:srgbClr val="FF0000"/>
+                          </a:solidFill>
                           <a:effectLst/>
                         </a:rPr>
                         <a:t>Divide AND assignment operator. It divides left operand with the right operand and assign the result to left operand.</a:t>
@@ -11772,6 +12166,9 @@
                       <a:pPr algn="ctr" fontAlgn="ctr"/>
                       <a:r>
                         <a:rPr lang="en-US" sz="1800" dirty="0">
+                          <a:solidFill>
+                            <a:srgbClr val="FF0000"/>
+                          </a:solidFill>
                           <a:effectLst/>
                         </a:rPr>
                         <a:t>C /= A is equivalent to C = C / A</a:t>
@@ -11884,7 +12281,10 @@
                     <a:p>
                       <a:pPr fontAlgn="t"/>
                       <a:r>
-                        <a:rPr lang="en-US" sz="1800">
+                        <a:rPr lang="en-US" sz="1800" dirty="0">
+                          <a:solidFill>
+                            <a:srgbClr val="FF0000"/>
+                          </a:solidFill>
                           <a:effectLst/>
                         </a:rPr>
                         <a:t>Modulus AND assignment operator. It takes modulus using two operands and assign the result to left operand.</a:t>
@@ -11938,6 +12338,9 @@
                       <a:pPr algn="ctr" fontAlgn="ctr"/>
                       <a:r>
                         <a:rPr lang="en-US" sz="1800" dirty="0">
+                          <a:solidFill>
+                            <a:srgbClr val="FF0000"/>
+                          </a:solidFill>
                           <a:effectLst/>
                         </a:rPr>
                         <a:t>C %= A is equivalent to C = C % A</a:t>
@@ -11993,6 +12396,35 @@
           </a:graphicData>
         </a:graphic>
       </p:graphicFrame>
+      <p:sp>
+        <p:nvSpPr>
+          <p:cNvPr id="3" name="Slide Number Placeholder 2">
+            <a:extLst>
+              <a:ext uri="{FF2B5EF4-FFF2-40B4-BE49-F238E27FC236}">
+                <a16:creationId xmlns:a16="http://schemas.microsoft.com/office/drawing/2014/main" id="{C4656279-0732-F444-971F-948E72189584}"/>
+              </a:ext>
+            </a:extLst>
+          </p:cNvPr>
+          <p:cNvSpPr>
+            <a:spLocks noGrp="1"/>
+          </p:cNvSpPr>
+          <p:nvPr>
+            <p:ph type="sldNum" sz="quarter" idx="12"/>
+          </p:nvPr>
+        </p:nvSpPr>
+        <p:spPr/>
+        <p:txBody>
+          <a:bodyPr/>
+          <a:lstStyle/>
+          <a:p>
+            <a:fld id="{2352C00A-4D4A-1B4A-BF5A-FD34A7F77AA7}" type="slidenum">
+              <a:rPr lang="en-US" smtClean="0"/>
+              <a:t>42</a:t>
+            </a:fld>
+            <a:endParaRPr lang="en-US"/>
+          </a:p>
+        </p:txBody>
+      </p:sp>
     </p:spTree>
     <p:extLst>
       <p:ext uri="{BB962C8B-B14F-4D97-AF65-F5344CB8AC3E}">
